--- a/presentation/Gasarch Pres 7-9.pptx
+++ b/presentation/Gasarch Pres 7-9.pptx
@@ -11,6 +11,8 @@
     <p:sldId id="259" r:id="rId5"/>
     <p:sldId id="260" r:id="rId6"/>
     <p:sldId id="261" r:id="rId7"/>
+    <p:sldId id="263" r:id="rId8"/>
+    <p:sldId id="262" r:id="rId9"/>
   </p:sldIdLst>
   <p:sldSz cx="12192000" cy="6858000"/>
   <p:notesSz cx="6858000" cy="9144000"/>
@@ -109,6 +111,11 @@
       </a:defRPr>
     </a:lvl9pPr>
   </p:defaultTextStyle>
+  <p:extLst>
+    <p:ext uri="{EFAFB233-063F-42B5-8137-9DF3F51BA10A}">
+      <p15:sldGuideLst xmlns:p15="http://schemas.microsoft.com/office/powerpoint/2012/main"/>
+    </p:ext>
+  </p:extLst>
 </p:presentation>
 </file>
 
@@ -3502,7 +3509,7 @@
             <a:pPr lvl="1"/>
             <a:r>
               <a:rPr lang="en-US" dirty="0"/>
-              <a:t>Improved Caesar Performance</a:t>
+              <a:t>Improved Performance</a:t>
             </a:r>
           </a:p>
           <a:p>
@@ -3997,6 +4004,42 @@
           <a:bodyPr/>
           <a:lstStyle/>
           <a:p>
+            <a:r>
+              <a:rPr lang="en-US" dirty="0"/>
+              <a:t>Deployed </a:t>
+            </a:r>
+            <a:r>
+              <a:rPr lang="en-US" dirty="0" err="1"/>
+              <a:t>Tensorflow</a:t>
+            </a:r>
+            <a:r>
+              <a:rPr lang="en-US" dirty="0"/>
+              <a:t> to train model</a:t>
+            </a:r>
+          </a:p>
+          <a:p>
+            <a:pPr lvl="1"/>
+            <a:r>
+              <a:rPr lang="en-US" dirty="0"/>
+              <a:t>For Caesar, one layer of 26 neurons</a:t>
+            </a:r>
+          </a:p>
+          <a:p>
+            <a:pPr lvl="1"/>
+            <a:r>
+              <a:rPr lang="en-US" dirty="0"/>
+              <a:t>For Affine, layer of 12, layer of 26, and layer of 312</a:t>
+            </a:r>
+          </a:p>
+          <a:p>
+            <a:pPr lvl="1"/>
+            <a:r>
+              <a:rPr lang="en-US" dirty="0"/>
+              <a:t>Adam optimizer, sparse categorical cross-entropy loss function, and accuracy metric</a:t>
+            </a:r>
+          </a:p>
+          <a:p>
+            <a:pPr lvl="1"/>
             <a:endParaRPr lang="en-US" dirty="0"/>
           </a:p>
         </p:txBody>
@@ -4005,6 +4048,402 @@
     <p:extLst>
       <p:ext uri="{BB962C8B-B14F-4D97-AF65-F5344CB8AC3E}">
         <p14:creationId xmlns:p14="http://schemas.microsoft.com/office/powerpoint/2010/main" val="1110425580"/>
+      </p:ext>
+    </p:extLst>
+  </p:cSld>
+  <p:clrMapOvr>
+    <a:masterClrMapping/>
+  </p:clrMapOvr>
+</p:sld>
+</file>
+
+<file path=ppt/slides/slide7.xml><?xml version="1.0" encoding="utf-8"?>
+<p:sld xmlns:a="http://schemas.openxmlformats.org/drawingml/2006/main" xmlns:r="http://schemas.openxmlformats.org/officeDocument/2006/relationships" xmlns:p="http://schemas.openxmlformats.org/presentationml/2006/main">
+  <p:cSld>
+    <p:spTree>
+      <p:nvGrpSpPr>
+        <p:cNvPr id="1" name=""/>
+        <p:cNvGrpSpPr/>
+        <p:nvPr/>
+      </p:nvGrpSpPr>
+      <p:grpSpPr>
+        <a:xfrm>
+          <a:off x="0" y="0"/>
+          <a:ext cx="0" cy="0"/>
+          <a:chOff x="0" y="0"/>
+          <a:chExt cx="0" cy="0"/>
+        </a:xfrm>
+      </p:grpSpPr>
+      <p:sp>
+        <p:nvSpPr>
+          <p:cNvPr id="2" name="Title 1">
+            <a:extLst>
+              <a:ext uri="{FF2B5EF4-FFF2-40B4-BE49-F238E27FC236}">
+                <a16:creationId xmlns:a16="http://schemas.microsoft.com/office/drawing/2014/main" id="{6832323C-E768-4136-881C-D06918D20298}"/>
+              </a:ext>
+            </a:extLst>
+          </p:cNvPr>
+          <p:cNvSpPr>
+            <a:spLocks noGrp="1"/>
+          </p:cNvSpPr>
+          <p:nvPr>
+            <p:ph type="title"/>
+          </p:nvPr>
+        </p:nvSpPr>
+        <p:spPr/>
+        <p:txBody>
+          <a:bodyPr/>
+          <a:lstStyle/>
+          <a:p>
+            <a:r>
+              <a:rPr lang="en-US" dirty="0"/>
+              <a:t>Result 1: Improved Performance</a:t>
+            </a:r>
+          </a:p>
+        </p:txBody>
+      </p:sp>
+      <p:sp>
+        <p:nvSpPr>
+          <p:cNvPr id="3" name="Content Placeholder 2">
+            <a:extLst>
+              <a:ext uri="{FF2B5EF4-FFF2-40B4-BE49-F238E27FC236}">
+                <a16:creationId xmlns:a16="http://schemas.microsoft.com/office/drawing/2014/main" id="{AB79A372-EEE4-4AA3-863A-E920DD27D1F5}"/>
+              </a:ext>
+            </a:extLst>
+          </p:cNvPr>
+          <p:cNvSpPr>
+            <a:spLocks noGrp="1"/>
+          </p:cNvSpPr>
+          <p:nvPr>
+            <p:ph idx="1"/>
+          </p:nvPr>
+        </p:nvSpPr>
+        <p:spPr>
+          <a:xfrm>
+            <a:off x="838200" y="1825625"/>
+            <a:ext cx="6275832" cy="4351338"/>
+          </a:xfrm>
+        </p:spPr>
+        <p:txBody>
+          <a:bodyPr/>
+          <a:lstStyle/>
+          <a:p>
+            <a:r>
+              <a:rPr lang="en-US" dirty="0"/>
+              <a:t>Neural network model is more efficient and accurate than the dot-product approach</a:t>
+            </a:r>
+          </a:p>
+          <a:p>
+            <a:pPr lvl="1"/>
+            <a:r>
+              <a:rPr lang="en-US" dirty="0"/>
+              <a:t>Efficient – Dot-product must be evaluated on every possible shift, whereas our model evaluates the frequency only once</a:t>
+            </a:r>
+          </a:p>
+          <a:p>
+            <a:pPr lvl="1"/>
+            <a:r>
+              <a:rPr lang="en-US" dirty="0"/>
+              <a:t>Accurate – Neural network is much more flexible and can detect patterns beyond an expected distribution (e.g. relative frequency)</a:t>
+            </a:r>
+          </a:p>
+        </p:txBody>
+      </p:sp>
+      <p:sp>
+        <p:nvSpPr>
+          <p:cNvPr id="4" name="Content Placeholder 2">
+            <a:extLst>
+              <a:ext uri="{FF2B5EF4-FFF2-40B4-BE49-F238E27FC236}">
+                <a16:creationId xmlns:a16="http://schemas.microsoft.com/office/drawing/2014/main" id="{17786DA1-7BFD-4EF8-8D84-CC9E13F2B565}"/>
+              </a:ext>
+            </a:extLst>
+          </p:cNvPr>
+          <p:cNvSpPr txBox="1">
+            <a:spLocks/>
+          </p:cNvSpPr>
+          <p:nvPr/>
+        </p:nvSpPr>
+        <p:spPr>
+          <a:xfrm>
+            <a:off x="7967472" y="1825625"/>
+            <a:ext cx="2337816" cy="4351338"/>
+          </a:xfrm>
+          <a:prstGeom prst="rect">
+            <a:avLst/>
+          </a:prstGeom>
+        </p:spPr>
+        <p:txBody>
+          <a:bodyPr vert="horz" lIns="91440" tIns="45720" rIns="91440" bIns="45720" rtlCol="0">
+            <a:normAutofit/>
+          </a:bodyPr>
+          <a:lstStyle>
+            <a:lvl1pPr marL="228600" indent="-228600" algn="l" defTabSz="914400" rtl="0" eaLnBrk="1" latinLnBrk="0" hangingPunct="1">
+              <a:lnSpc>
+                <a:spcPct val="90000"/>
+              </a:lnSpc>
+              <a:spcBef>
+                <a:spcPts val="1000"/>
+              </a:spcBef>
+              <a:buFont typeface="Arial" panose="020B0604020202020204" pitchFamily="34" charset="0"/>
+              <a:buChar char="•"/>
+              <a:defRPr sz="2800" kern="1200">
+                <a:solidFill>
+                  <a:schemeClr val="tx1"/>
+                </a:solidFill>
+                <a:latin typeface="+mn-lt"/>
+                <a:ea typeface="+mn-ea"/>
+                <a:cs typeface="+mn-cs"/>
+              </a:defRPr>
+            </a:lvl1pPr>
+            <a:lvl2pPr marL="685800" indent="-228600" algn="l" defTabSz="914400" rtl="0" eaLnBrk="1" latinLnBrk="0" hangingPunct="1">
+              <a:lnSpc>
+                <a:spcPct val="90000"/>
+              </a:lnSpc>
+              <a:spcBef>
+                <a:spcPts val="500"/>
+              </a:spcBef>
+              <a:buFont typeface="Arial" panose="020B0604020202020204" pitchFamily="34" charset="0"/>
+              <a:buChar char="•"/>
+              <a:defRPr sz="2400" kern="1200">
+                <a:solidFill>
+                  <a:schemeClr val="tx1"/>
+                </a:solidFill>
+                <a:latin typeface="+mn-lt"/>
+                <a:ea typeface="+mn-ea"/>
+                <a:cs typeface="+mn-cs"/>
+              </a:defRPr>
+            </a:lvl2pPr>
+            <a:lvl3pPr marL="1143000" indent="-228600" algn="l" defTabSz="914400" rtl="0" eaLnBrk="1" latinLnBrk="0" hangingPunct="1">
+              <a:lnSpc>
+                <a:spcPct val="90000"/>
+              </a:lnSpc>
+              <a:spcBef>
+                <a:spcPts val="500"/>
+              </a:spcBef>
+              <a:buFont typeface="Arial" panose="020B0604020202020204" pitchFamily="34" charset="0"/>
+              <a:buChar char="•"/>
+              <a:defRPr sz="2000" kern="1200">
+                <a:solidFill>
+                  <a:schemeClr val="tx1"/>
+                </a:solidFill>
+                <a:latin typeface="+mn-lt"/>
+                <a:ea typeface="+mn-ea"/>
+                <a:cs typeface="+mn-cs"/>
+              </a:defRPr>
+            </a:lvl3pPr>
+            <a:lvl4pPr marL="1600200" indent="-228600" algn="l" defTabSz="914400" rtl="0" eaLnBrk="1" latinLnBrk="0" hangingPunct="1">
+              <a:lnSpc>
+                <a:spcPct val="90000"/>
+              </a:lnSpc>
+              <a:spcBef>
+                <a:spcPts val="500"/>
+              </a:spcBef>
+              <a:buFont typeface="Arial" panose="020B0604020202020204" pitchFamily="34" charset="0"/>
+              <a:buChar char="•"/>
+              <a:defRPr sz="1800" kern="1200">
+                <a:solidFill>
+                  <a:schemeClr val="tx1"/>
+                </a:solidFill>
+                <a:latin typeface="+mn-lt"/>
+                <a:ea typeface="+mn-ea"/>
+                <a:cs typeface="+mn-cs"/>
+              </a:defRPr>
+            </a:lvl4pPr>
+            <a:lvl5pPr marL="2057400" indent="-228600" algn="l" defTabSz="914400" rtl="0" eaLnBrk="1" latinLnBrk="0" hangingPunct="1">
+              <a:lnSpc>
+                <a:spcPct val="90000"/>
+              </a:lnSpc>
+              <a:spcBef>
+                <a:spcPts val="500"/>
+              </a:spcBef>
+              <a:buFont typeface="Arial" panose="020B0604020202020204" pitchFamily="34" charset="0"/>
+              <a:buChar char="•"/>
+              <a:defRPr sz="1800" kern="1200">
+                <a:solidFill>
+                  <a:schemeClr val="tx1"/>
+                </a:solidFill>
+                <a:latin typeface="+mn-lt"/>
+                <a:ea typeface="+mn-ea"/>
+                <a:cs typeface="+mn-cs"/>
+              </a:defRPr>
+            </a:lvl5pPr>
+            <a:lvl6pPr marL="2514600" indent="-228600" algn="l" defTabSz="914400" rtl="0" eaLnBrk="1" latinLnBrk="0" hangingPunct="1">
+              <a:lnSpc>
+                <a:spcPct val="90000"/>
+              </a:lnSpc>
+              <a:spcBef>
+                <a:spcPts val="500"/>
+              </a:spcBef>
+              <a:buFont typeface="Arial" panose="020B0604020202020204" pitchFamily="34" charset="0"/>
+              <a:buChar char="•"/>
+              <a:defRPr sz="1800" kern="1200">
+                <a:solidFill>
+                  <a:schemeClr val="tx1"/>
+                </a:solidFill>
+                <a:latin typeface="+mn-lt"/>
+                <a:ea typeface="+mn-ea"/>
+                <a:cs typeface="+mn-cs"/>
+              </a:defRPr>
+            </a:lvl6pPr>
+            <a:lvl7pPr marL="2971800" indent="-228600" algn="l" defTabSz="914400" rtl="0" eaLnBrk="1" latinLnBrk="0" hangingPunct="1">
+              <a:lnSpc>
+                <a:spcPct val="90000"/>
+              </a:lnSpc>
+              <a:spcBef>
+                <a:spcPts val="500"/>
+              </a:spcBef>
+              <a:buFont typeface="Arial" panose="020B0604020202020204" pitchFamily="34" charset="0"/>
+              <a:buChar char="•"/>
+              <a:defRPr sz="1800" kern="1200">
+                <a:solidFill>
+                  <a:schemeClr val="tx1"/>
+                </a:solidFill>
+                <a:latin typeface="+mn-lt"/>
+                <a:ea typeface="+mn-ea"/>
+                <a:cs typeface="+mn-cs"/>
+              </a:defRPr>
+            </a:lvl7pPr>
+            <a:lvl8pPr marL="3429000" indent="-228600" algn="l" defTabSz="914400" rtl="0" eaLnBrk="1" latinLnBrk="0" hangingPunct="1">
+              <a:lnSpc>
+                <a:spcPct val="90000"/>
+              </a:lnSpc>
+              <a:spcBef>
+                <a:spcPts val="500"/>
+              </a:spcBef>
+              <a:buFont typeface="Arial" panose="020B0604020202020204" pitchFamily="34" charset="0"/>
+              <a:buChar char="•"/>
+              <a:defRPr sz="1800" kern="1200">
+                <a:solidFill>
+                  <a:schemeClr val="tx1"/>
+                </a:solidFill>
+                <a:latin typeface="+mn-lt"/>
+                <a:ea typeface="+mn-ea"/>
+                <a:cs typeface="+mn-cs"/>
+              </a:defRPr>
+            </a:lvl8pPr>
+            <a:lvl9pPr marL="3886200" indent="-228600" algn="l" defTabSz="914400" rtl="0" eaLnBrk="1" latinLnBrk="0" hangingPunct="1">
+              <a:lnSpc>
+                <a:spcPct val="90000"/>
+              </a:lnSpc>
+              <a:spcBef>
+                <a:spcPts val="500"/>
+              </a:spcBef>
+              <a:buFont typeface="Arial" panose="020B0604020202020204" pitchFamily="34" charset="0"/>
+              <a:buChar char="•"/>
+              <a:defRPr sz="1800" kern="1200">
+                <a:solidFill>
+                  <a:schemeClr val="tx1"/>
+                </a:solidFill>
+                <a:latin typeface="+mn-lt"/>
+                <a:ea typeface="+mn-ea"/>
+                <a:cs typeface="+mn-cs"/>
+              </a:defRPr>
+            </a:lvl9pPr>
+          </a:lstStyle>
+          <a:p>
+            <a:r>
+              <a:rPr lang="en-US" sz="6000" dirty="0"/>
+              <a:t>DATA</a:t>
+            </a:r>
+          </a:p>
+        </p:txBody>
+      </p:sp>
+    </p:spTree>
+    <p:extLst>
+      <p:ext uri="{BB962C8B-B14F-4D97-AF65-F5344CB8AC3E}">
+        <p14:creationId xmlns:p14="http://schemas.microsoft.com/office/powerpoint/2010/main" val="3521916073"/>
+      </p:ext>
+    </p:extLst>
+  </p:cSld>
+  <p:clrMapOvr>
+    <a:masterClrMapping/>
+  </p:clrMapOvr>
+</p:sld>
+</file>
+
+<file path=ppt/slides/slide8.xml><?xml version="1.0" encoding="utf-8"?>
+<p:sld xmlns:a="http://schemas.openxmlformats.org/drawingml/2006/main" xmlns:r="http://schemas.openxmlformats.org/officeDocument/2006/relationships" xmlns:p="http://schemas.openxmlformats.org/presentationml/2006/main">
+  <p:cSld>
+    <p:spTree>
+      <p:nvGrpSpPr>
+        <p:cNvPr id="1" name=""/>
+        <p:cNvGrpSpPr/>
+        <p:nvPr/>
+      </p:nvGrpSpPr>
+      <p:grpSpPr>
+        <a:xfrm>
+          <a:off x="0" y="0"/>
+          <a:ext cx="0" cy="0"/>
+          <a:chOff x="0" y="0"/>
+          <a:chExt cx="0" cy="0"/>
+        </a:xfrm>
+      </p:grpSpPr>
+      <p:sp>
+        <p:nvSpPr>
+          <p:cNvPr id="2" name="Title 1">
+            <a:extLst>
+              <a:ext uri="{FF2B5EF4-FFF2-40B4-BE49-F238E27FC236}">
+                <a16:creationId xmlns:a16="http://schemas.microsoft.com/office/drawing/2014/main" id="{6832323C-E768-4136-881C-D06918D20298}"/>
+              </a:ext>
+            </a:extLst>
+          </p:cNvPr>
+          <p:cNvSpPr>
+            <a:spLocks noGrp="1"/>
+          </p:cNvSpPr>
+          <p:nvPr>
+            <p:ph type="title"/>
+          </p:nvPr>
+        </p:nvSpPr>
+        <p:spPr/>
+        <p:txBody>
+          <a:bodyPr/>
+          <a:lstStyle/>
+          <a:p>
+            <a:r>
+              <a:rPr lang="en-US" dirty="0"/>
+              <a:t>Result 2: Application to Affine</a:t>
+            </a:r>
+          </a:p>
+        </p:txBody>
+      </p:sp>
+      <p:sp>
+        <p:nvSpPr>
+          <p:cNvPr id="3" name="Content Placeholder 2">
+            <a:extLst>
+              <a:ext uri="{FF2B5EF4-FFF2-40B4-BE49-F238E27FC236}">
+                <a16:creationId xmlns:a16="http://schemas.microsoft.com/office/drawing/2014/main" id="{AB79A372-EEE4-4AA3-863A-E920DD27D1F5}"/>
+              </a:ext>
+            </a:extLst>
+          </p:cNvPr>
+          <p:cNvSpPr>
+            <a:spLocks noGrp="1"/>
+          </p:cNvSpPr>
+          <p:nvPr>
+            <p:ph idx="1"/>
+          </p:nvPr>
+        </p:nvSpPr>
+        <p:spPr>
+          <a:xfrm>
+            <a:off x="838200" y="1825625"/>
+            <a:ext cx="6275832" cy="4351338"/>
+          </a:xfrm>
+        </p:spPr>
+        <p:txBody>
+          <a:bodyPr/>
+          <a:lstStyle/>
+          <a:p>
+            <a:r>
+              <a:rPr lang="en-US"/>
+              <a:t>We</a:t>
+            </a:r>
+            <a:endParaRPr lang="en-US" dirty="0"/>
+          </a:p>
+        </p:txBody>
+      </p:sp>
+    </p:spTree>
+    <p:extLst>
+      <p:ext uri="{BB962C8B-B14F-4D97-AF65-F5344CB8AC3E}">
+        <p14:creationId xmlns:p14="http://schemas.microsoft.com/office/powerpoint/2010/main" val="2980448496"/>
       </p:ext>
     </p:extLst>
   </p:cSld>
